--- a/web/xebra/doc/XEbraArchitecture2.pptx
+++ b/web/xebra/doc/XEbraArchitecture2.pptx
@@ -3068,7 +3068,7 @@
         </p:nvSpPr>
         <p:spPr>
           <a:xfrm>
-            <a:off x="0" y="428628"/>
+            <a:off x="71406" y="500042"/>
             <a:ext cx="1142976" cy="642942"/>
           </a:xfrm>
           <a:prstGeom prst="roundRect">
@@ -3111,7 +3111,7 @@
         </p:nvSpPr>
         <p:spPr>
           <a:xfrm>
-            <a:off x="357158" y="928694"/>
+            <a:off x="428564" y="1000108"/>
             <a:ext cx="1000132" cy="285752"/>
           </a:xfrm>
           <a:prstGeom prst="roundRect">
@@ -3163,7 +3163,7 @@
         </p:nvSpPr>
         <p:spPr>
           <a:xfrm>
-            <a:off x="2071670" y="785794"/>
+            <a:off x="2143076" y="857208"/>
             <a:ext cx="1428760" cy="571504"/>
           </a:xfrm>
           <a:prstGeom prst="roundRect">
@@ -3213,7 +3213,7 @@
         </p:nvCxnSpPr>
         <p:spPr>
           <a:xfrm flipV="1">
-            <a:off x="1357290" y="1071546"/>
+            <a:off x="1428696" y="1142960"/>
             <a:ext cx="714380" cy="24"/>
           </a:xfrm>
           <a:prstGeom prst="bentConnector3">
@@ -3252,7 +3252,7 @@
         </p:nvCxnSpPr>
         <p:spPr>
           <a:xfrm flipV="1">
-            <a:off x="3500430" y="285752"/>
+            <a:off x="3571836" y="357166"/>
             <a:ext cx="1214446" cy="785794"/>
           </a:xfrm>
           <a:prstGeom prst="bentConnector3">
@@ -3288,7 +3288,7 @@
         </p:nvSpPr>
         <p:spPr>
           <a:xfrm>
-            <a:off x="4714876" y="0"/>
+            <a:off x="4786282" y="71414"/>
             <a:ext cx="1428760" cy="571504"/>
           </a:xfrm>
           <a:prstGeom prst="roundRect">
@@ -3343,7 +3343,7 @@
         </p:nvCxnSpPr>
         <p:spPr>
           <a:xfrm>
-            <a:off x="3500430" y="1071546"/>
+            <a:off x="3571836" y="1142960"/>
             <a:ext cx="1214446" cy="24"/>
           </a:xfrm>
           <a:prstGeom prst="bentConnector3">
@@ -3379,7 +3379,7 @@
         </p:nvSpPr>
         <p:spPr>
           <a:xfrm>
-            <a:off x="4714876" y="785818"/>
+            <a:off x="4786282" y="857232"/>
             <a:ext cx="1428760" cy="571504"/>
           </a:xfrm>
           <a:prstGeom prst="roundRect">
@@ -3434,7 +3434,7 @@
         </p:nvCxnSpPr>
         <p:spPr>
           <a:xfrm>
-            <a:off x="3500430" y="1071546"/>
+            <a:off x="3571836" y="1142960"/>
             <a:ext cx="1214446" cy="785842"/>
           </a:xfrm>
           <a:prstGeom prst="bentConnector3">
@@ -3470,7 +3470,7 @@
         </p:nvSpPr>
         <p:spPr>
           <a:xfrm>
-            <a:off x="4714876" y="1571636"/>
+            <a:off x="4786282" y="1643050"/>
             <a:ext cx="1428760" cy="571504"/>
           </a:xfrm>
           <a:prstGeom prst="roundRect">
@@ -3522,7 +3522,7 @@
         </p:nvSpPr>
         <p:spPr>
           <a:xfrm>
-            <a:off x="1500166" y="857256"/>
+            <a:off x="1571572" y="928670"/>
             <a:ext cx="357190" cy="276999"/>
           </a:xfrm>
           <a:prstGeom prst="rect">
@@ -3552,7 +3552,7 @@
         </p:nvSpPr>
         <p:spPr>
           <a:xfrm>
-            <a:off x="3857620" y="857256"/>
+            <a:off x="3929026" y="928670"/>
             <a:ext cx="357190" cy="276999"/>
           </a:xfrm>
           <a:prstGeom prst="rect">
@@ -3607,7 +3607,7 @@
         </p:nvSpPr>
         <p:spPr>
           <a:xfrm>
-            <a:off x="2928926" y="0"/>
+            <a:off x="3000332" y="71438"/>
             <a:ext cx="4143404" cy="3429024"/>
           </a:xfrm>
           <a:prstGeom prst="roundRect">
@@ -3697,7 +3697,7 @@
         </p:nvSpPr>
         <p:spPr>
           <a:xfrm>
-            <a:off x="3357554" y="1571636"/>
+            <a:off x="3428960" y="1643074"/>
             <a:ext cx="2143140" cy="571504"/>
           </a:xfrm>
           <a:prstGeom prst="rect">
@@ -3741,7 +3741,7 @@
         </p:nvSpPr>
         <p:spPr>
           <a:xfrm>
-            <a:off x="3357554" y="500066"/>
+            <a:off x="3428960" y="571504"/>
             <a:ext cx="2143140" cy="571504"/>
           </a:xfrm>
           <a:prstGeom prst="rect">
@@ -3785,7 +3785,7 @@
         </p:nvSpPr>
         <p:spPr>
           <a:xfrm>
-            <a:off x="3357554" y="2643206"/>
+            <a:off x="3428960" y="2714644"/>
             <a:ext cx="2143140" cy="571504"/>
           </a:xfrm>
           <a:prstGeom prst="rect">
@@ -3829,7 +3829,7 @@
         </p:nvSpPr>
         <p:spPr>
           <a:xfrm>
-            <a:off x="2928926" y="0"/>
+            <a:off x="3000332" y="71438"/>
             <a:ext cx="2143140" cy="285752"/>
           </a:xfrm>
           <a:prstGeom prst="roundRect">
@@ -3918,7 +3918,7 @@
         </p:nvSpPr>
         <p:spPr>
           <a:xfrm>
-            <a:off x="2928926" y="0"/>
+            <a:off x="3000332" y="71438"/>
             <a:ext cx="2143140" cy="276999"/>
           </a:xfrm>
           <a:prstGeom prst="rect">
@@ -3988,7 +3988,7 @@
         </p:nvSpPr>
         <p:spPr>
           <a:xfrm>
-            <a:off x="0" y="500042"/>
+            <a:off x="71406" y="571480"/>
             <a:ext cx="1714512" cy="571504"/>
           </a:xfrm>
           <a:prstGeom prst="roundRect">
@@ -4038,7 +4038,7 @@
         </p:nvCxnSpPr>
         <p:spPr>
           <a:xfrm>
-            <a:off x="1714512" y="785794"/>
+            <a:off x="1785918" y="857232"/>
             <a:ext cx="1643042" cy="24"/>
           </a:xfrm>
           <a:prstGeom prst="bentConnector3">
@@ -4074,7 +4074,7 @@
         </p:nvSpPr>
         <p:spPr>
           <a:xfrm>
-            <a:off x="5572132" y="1714512"/>
+            <a:off x="5643538" y="1785950"/>
             <a:ext cx="1714512" cy="276999"/>
           </a:xfrm>
           <a:prstGeom prst="rect">
@@ -4116,20 +4116,7 @@
                   <a:schemeClr val="accent6"/>
                 </a:solidFill>
               </a:rPr>
-              <a:t>Presenation</a:t>
-            </a:r>
-            <a:r>
-              <a:rPr lang="de-CH" sz="1200" dirty="0" smtClean="0">
-                <a:ln w="18000">
-                  <a:noFill/>
-                  <a:prstDash val="solid"/>
-                  <a:miter lim="800000"/>
-                </a:ln>
-                <a:solidFill>
-                  <a:schemeClr val="accent6"/>
-                </a:solidFill>
-              </a:rPr>
-              <a:t> </a:t>
+              <a:t>Presentation</a:t>
             </a:r>
             <a:r>
               <a:rPr lang="de-CH" sz="1200" b="1" dirty="0" smtClean="0">
@@ -4142,7 +4129,7 @@
                   <a:schemeClr val="accent6"/>
                 </a:solidFill>
               </a:rPr>
-              <a:t>Layer</a:t>
+              <a:t> Layer</a:t>
             </a:r>
             <a:endParaRPr lang="en-US" sz="1200" b="1" dirty="0">
               <a:ln w="18000">
@@ -4165,7 +4152,7 @@
         </p:nvSpPr>
         <p:spPr>
           <a:xfrm>
-            <a:off x="3286116" y="1500198"/>
+            <a:off x="3357522" y="1571636"/>
             <a:ext cx="3643338" cy="714380"/>
           </a:xfrm>
           <a:prstGeom prst="rect">
@@ -4211,7 +4198,7 @@
         </p:nvSpPr>
         <p:spPr>
           <a:xfrm>
-            <a:off x="5572132" y="2786082"/>
+            <a:off x="5643538" y="2857520"/>
             <a:ext cx="1714512" cy="276999"/>
           </a:xfrm>
           <a:prstGeom prst="rect">
@@ -4276,7 +4263,7 @@
         </p:nvSpPr>
         <p:spPr>
           <a:xfrm>
-            <a:off x="3286116" y="2571768"/>
+            <a:off x="3357522" y="2643206"/>
             <a:ext cx="3643338" cy="714380"/>
           </a:xfrm>
           <a:prstGeom prst="rect">
@@ -4322,7 +4309,7 @@
         </p:nvSpPr>
         <p:spPr>
           <a:xfrm>
-            <a:off x="4357686" y="1214422"/>
+            <a:off x="4429092" y="1285860"/>
             <a:ext cx="357190" cy="276999"/>
           </a:xfrm>
           <a:prstGeom prst="rect">
@@ -4356,7 +4343,7 @@
         </p:nvSpPr>
         <p:spPr>
           <a:xfrm>
-            <a:off x="4357686" y="2214554"/>
+            <a:off x="4429092" y="2285992"/>
             <a:ext cx="357190" cy="276999"/>
           </a:xfrm>
           <a:prstGeom prst="rect">
@@ -4393,7 +4380,7 @@
         </p:nvCxnSpPr>
         <p:spPr>
           <a:xfrm rot="5400000">
-            <a:off x="4179091" y="2393173"/>
+            <a:off x="4250497" y="2464611"/>
             <a:ext cx="500066" cy="1588"/>
           </a:xfrm>
           <a:prstGeom prst="bentConnector3">
@@ -4432,7 +4419,7 @@
         </p:nvCxnSpPr>
         <p:spPr>
           <a:xfrm rot="5400000">
-            <a:off x="4179091" y="1321603"/>
+            <a:off x="4250497" y="1393041"/>
             <a:ext cx="500066" cy="1588"/>
           </a:xfrm>
           <a:prstGeom prst="bentConnector3">
@@ -4468,7 +4455,7 @@
         </p:nvSpPr>
         <p:spPr>
           <a:xfrm>
-            <a:off x="2357422" y="571480"/>
+            <a:off x="2428828" y="642918"/>
             <a:ext cx="357190" cy="276999"/>
           </a:xfrm>
           <a:prstGeom prst="rect">

--- a/web/xebra/doc/XEbraArchitecture2.pptx
+++ b/web/xebra/doc/XEbraArchitecture2.pptx
@@ -290,7 +290,7 @@
             <a:fld id="{97C412D1-47CD-43D9-AFCC-F9714CFDB121}" type="datetimeFigureOut">
               <a:rPr lang="en-US" smtClean="0"/>
               <a:pPr/>
-              <a:t>3/11/2009</a:t>
+              <a:t>7/6/2009</a:t>
             </a:fld>
             <a:endParaRPr lang="en-US"/>
           </a:p>
@@ -457,7 +457,7 @@
             <a:fld id="{97C412D1-47CD-43D9-AFCC-F9714CFDB121}" type="datetimeFigureOut">
               <a:rPr lang="en-US" smtClean="0"/>
               <a:pPr/>
-              <a:t>3/11/2009</a:t>
+              <a:t>7/6/2009</a:t>
             </a:fld>
             <a:endParaRPr lang="en-US"/>
           </a:p>
@@ -634,7 +634,7 @@
             <a:fld id="{97C412D1-47CD-43D9-AFCC-F9714CFDB121}" type="datetimeFigureOut">
               <a:rPr lang="en-US" smtClean="0"/>
               <a:pPr/>
-              <a:t>3/11/2009</a:t>
+              <a:t>7/6/2009</a:t>
             </a:fld>
             <a:endParaRPr lang="en-US"/>
           </a:p>
@@ -801,7 +801,7 @@
             <a:fld id="{97C412D1-47CD-43D9-AFCC-F9714CFDB121}" type="datetimeFigureOut">
               <a:rPr lang="en-US" smtClean="0"/>
               <a:pPr/>
-              <a:t>3/11/2009</a:t>
+              <a:t>7/6/2009</a:t>
             </a:fld>
             <a:endParaRPr lang="en-US"/>
           </a:p>
@@ -1044,7 +1044,7 @@
             <a:fld id="{97C412D1-47CD-43D9-AFCC-F9714CFDB121}" type="datetimeFigureOut">
               <a:rPr lang="en-US" smtClean="0"/>
               <a:pPr/>
-              <a:t>3/11/2009</a:t>
+              <a:t>7/6/2009</a:t>
             </a:fld>
             <a:endParaRPr lang="en-US"/>
           </a:p>
@@ -1329,7 +1329,7 @@
             <a:fld id="{97C412D1-47CD-43D9-AFCC-F9714CFDB121}" type="datetimeFigureOut">
               <a:rPr lang="en-US" smtClean="0"/>
               <a:pPr/>
-              <a:t>3/11/2009</a:t>
+              <a:t>7/6/2009</a:t>
             </a:fld>
             <a:endParaRPr lang="en-US"/>
           </a:p>
@@ -1748,7 +1748,7 @@
             <a:fld id="{97C412D1-47CD-43D9-AFCC-F9714CFDB121}" type="datetimeFigureOut">
               <a:rPr lang="en-US" smtClean="0"/>
               <a:pPr/>
-              <a:t>3/11/2009</a:t>
+              <a:t>7/6/2009</a:t>
             </a:fld>
             <a:endParaRPr lang="en-US"/>
           </a:p>
@@ -1863,7 +1863,7 @@
             <a:fld id="{97C412D1-47CD-43D9-AFCC-F9714CFDB121}" type="datetimeFigureOut">
               <a:rPr lang="en-US" smtClean="0"/>
               <a:pPr/>
-              <a:t>3/11/2009</a:t>
+              <a:t>7/6/2009</a:t>
             </a:fld>
             <a:endParaRPr lang="en-US"/>
           </a:p>
@@ -1955,7 +1955,7 @@
             <a:fld id="{97C412D1-47CD-43D9-AFCC-F9714CFDB121}" type="datetimeFigureOut">
               <a:rPr lang="en-US" smtClean="0"/>
               <a:pPr/>
-              <a:t>3/11/2009</a:t>
+              <a:t>7/6/2009</a:t>
             </a:fld>
             <a:endParaRPr lang="en-US"/>
           </a:p>
@@ -2229,7 +2229,7 @@
             <a:fld id="{97C412D1-47CD-43D9-AFCC-F9714CFDB121}" type="datetimeFigureOut">
               <a:rPr lang="en-US" smtClean="0"/>
               <a:pPr/>
-              <a:t>3/11/2009</a:t>
+              <a:t>7/6/2009</a:t>
             </a:fld>
             <a:endParaRPr lang="en-US"/>
           </a:p>
@@ -2479,7 +2479,7 @@
             <a:fld id="{97C412D1-47CD-43D9-AFCC-F9714CFDB121}" type="datetimeFigureOut">
               <a:rPr lang="en-US" smtClean="0"/>
               <a:pPr/>
-              <a:t>3/11/2009</a:t>
+              <a:t>7/6/2009</a:t>
             </a:fld>
             <a:endParaRPr lang="en-US"/>
           </a:p>
@@ -2689,7 +2689,7 @@
             <a:fld id="{97C412D1-47CD-43D9-AFCC-F9714CFDB121}" type="datetimeFigureOut">
               <a:rPr lang="en-US" smtClean="0"/>
               <a:pPr/>
-              <a:t>3/11/2009</a:t>
+              <a:t>7/6/2009</a:t>
             </a:fld>
             <a:endParaRPr lang="en-US"/>
           </a:p>
@@ -3062,13 +3062,349 @@
       </p:grpSpPr>
       <p:sp>
         <p:nvSpPr>
-          <p:cNvPr id="4" name="Abgerundetes Rechteck 3"/>
+          <p:cNvPr id="8" name="Abgerundetes Rechteck 7"/>
           <p:cNvSpPr/>
           <p:nvPr/>
         </p:nvSpPr>
         <p:spPr>
           <a:xfrm>
-            <a:off x="71406" y="500042"/>
+            <a:off x="2143076" y="857208"/>
+            <a:ext cx="1428760" cy="571504"/>
+          </a:xfrm>
+          <a:prstGeom prst="roundRect">
+            <a:avLst/>
+          </a:prstGeom>
+        </p:spPr>
+        <p:style>
+          <a:lnRef idx="2">
+            <a:schemeClr val="accent1">
+              <a:shade val="50000"/>
+            </a:schemeClr>
+          </a:lnRef>
+          <a:fillRef idx="1">
+            <a:schemeClr val="accent1"/>
+          </a:fillRef>
+          <a:effectRef idx="0">
+            <a:schemeClr val="accent1"/>
+          </a:effectRef>
+          <a:fontRef idx="minor">
+            <a:schemeClr val="lt1"/>
+          </a:fontRef>
+        </p:style>
+        <p:txBody>
+          <a:bodyPr rtlCol="0" anchor="ctr"/>
+          <a:lstStyle/>
+          <a:p>
+            <a:pPr algn="ctr"/>
+            <a:r>
+              <a:rPr lang="de-CH" sz="1200" dirty="0" err="1" smtClean="0"/>
+              <a:t>Xebra</a:t>
+            </a:r>
+            <a:r>
+              <a:rPr lang="de-CH" sz="1200" dirty="0" smtClean="0"/>
+              <a:t> </a:t>
+            </a:r>
+            <a:r>
+              <a:rPr lang="de-CH" sz="1200" dirty="0" smtClean="0"/>
+              <a:t>Server</a:t>
+            </a:r>
+          </a:p>
+        </p:txBody>
+      </p:sp>
+      <p:cxnSp>
+        <p:nvCxnSpPr>
+          <p:cNvPr id="48" name="Gewinkelte Verbindung 47"/>
+          <p:cNvCxnSpPr>
+            <a:stCxn id="8" idx="3"/>
+            <a:endCxn id="28" idx="1"/>
+          </p:cNvCxnSpPr>
+          <p:nvPr/>
+        </p:nvCxnSpPr>
+        <p:spPr>
+          <a:xfrm flipV="1">
+            <a:off x="3571836" y="357166"/>
+            <a:ext cx="1214446" cy="785794"/>
+          </a:xfrm>
+          <a:prstGeom prst="bentConnector3">
+            <a:avLst>
+              <a:gd name="adj1" fmla="val 60618"/>
+            </a:avLst>
+          </a:prstGeom>
+          <a:ln>
+            <a:headEnd type="arrow"/>
+            <a:tailEnd type="arrow"/>
+          </a:ln>
+        </p:spPr>
+        <p:style>
+          <a:lnRef idx="1">
+            <a:schemeClr val="accent1"/>
+          </a:lnRef>
+          <a:fillRef idx="0">
+            <a:schemeClr val="accent1"/>
+          </a:fillRef>
+          <a:effectRef idx="0">
+            <a:schemeClr val="accent1"/>
+          </a:effectRef>
+          <a:fontRef idx="minor">
+            <a:schemeClr val="tx1"/>
+          </a:fontRef>
+        </p:style>
+      </p:cxnSp>
+      <p:sp>
+        <p:nvSpPr>
+          <p:cNvPr id="28" name="Abgerundetes Rechteck 27"/>
+          <p:cNvSpPr/>
+          <p:nvPr/>
+        </p:nvSpPr>
+        <p:spPr>
+          <a:xfrm>
+            <a:off x="4786282" y="71414"/>
+            <a:ext cx="1428760" cy="571504"/>
+          </a:xfrm>
+          <a:prstGeom prst="roundRect">
+            <a:avLst/>
+          </a:prstGeom>
+        </p:spPr>
+        <p:style>
+          <a:lnRef idx="2">
+            <a:schemeClr val="accent6">
+              <a:shade val="50000"/>
+            </a:schemeClr>
+          </a:lnRef>
+          <a:fillRef idx="1">
+            <a:schemeClr val="accent6"/>
+          </a:fillRef>
+          <a:effectRef idx="0">
+            <a:schemeClr val="accent6"/>
+          </a:effectRef>
+          <a:fontRef idx="minor">
+            <a:schemeClr val="lt1"/>
+          </a:fontRef>
+        </p:style>
+        <p:txBody>
+          <a:bodyPr rtlCol="0" anchor="ctr"/>
+          <a:lstStyle/>
+          <a:p>
+            <a:pPr algn="ctr"/>
+            <a:r>
+              <a:rPr lang="de-CH" sz="1200" dirty="0" err="1" smtClean="0"/>
+              <a:t>Xebra</a:t>
+            </a:r>
+            <a:r>
+              <a:rPr lang="de-CH" sz="1200" dirty="0" smtClean="0"/>
+              <a:t> Web </a:t>
+            </a:r>
+            <a:r>
+              <a:rPr lang="de-CH" sz="1200" dirty="0" err="1" smtClean="0"/>
+              <a:t>Application</a:t>
+            </a:r>
+            <a:r>
+              <a:rPr lang="de-CH" sz="1200" dirty="0" smtClean="0"/>
+              <a:t> 1</a:t>
+            </a:r>
+            <a:endParaRPr lang="de-CH" sz="1200" dirty="0" smtClean="0"/>
+          </a:p>
+        </p:txBody>
+      </p:sp>
+      <p:cxnSp>
+        <p:nvCxnSpPr>
+          <p:cNvPr id="30" name="Gewinkelte Verbindung 29"/>
+          <p:cNvCxnSpPr>
+            <a:stCxn id="8" idx="3"/>
+            <a:endCxn id="31" idx="1"/>
+          </p:cNvCxnSpPr>
+          <p:nvPr/>
+        </p:nvCxnSpPr>
+        <p:spPr>
+          <a:xfrm>
+            <a:off x="3571836" y="1142960"/>
+            <a:ext cx="1214446" cy="24"/>
+          </a:xfrm>
+          <a:prstGeom prst="bentConnector3">
+            <a:avLst>
+              <a:gd name="adj1" fmla="val 50000"/>
+            </a:avLst>
+          </a:prstGeom>
+          <a:ln>
+            <a:headEnd type="arrow"/>
+            <a:tailEnd type="arrow"/>
+          </a:ln>
+        </p:spPr>
+        <p:style>
+          <a:lnRef idx="1">
+            <a:schemeClr val="accent1"/>
+          </a:lnRef>
+          <a:fillRef idx="0">
+            <a:schemeClr val="accent1"/>
+          </a:fillRef>
+          <a:effectRef idx="0">
+            <a:schemeClr val="accent1"/>
+          </a:effectRef>
+          <a:fontRef idx="minor">
+            <a:schemeClr val="tx1"/>
+          </a:fontRef>
+        </p:style>
+      </p:cxnSp>
+      <p:sp>
+        <p:nvSpPr>
+          <p:cNvPr id="31" name="Abgerundetes Rechteck 30"/>
+          <p:cNvSpPr/>
+          <p:nvPr/>
+        </p:nvSpPr>
+        <p:spPr>
+          <a:xfrm>
+            <a:off x="4786282" y="857232"/>
+            <a:ext cx="1428760" cy="571504"/>
+          </a:xfrm>
+          <a:prstGeom prst="roundRect">
+            <a:avLst/>
+          </a:prstGeom>
+        </p:spPr>
+        <p:style>
+          <a:lnRef idx="2">
+            <a:schemeClr val="accent6">
+              <a:shade val="50000"/>
+            </a:schemeClr>
+          </a:lnRef>
+          <a:fillRef idx="1">
+            <a:schemeClr val="accent6"/>
+          </a:fillRef>
+          <a:effectRef idx="0">
+            <a:schemeClr val="accent6"/>
+          </a:effectRef>
+          <a:fontRef idx="minor">
+            <a:schemeClr val="lt1"/>
+          </a:fontRef>
+        </p:style>
+        <p:txBody>
+          <a:bodyPr rtlCol="0" anchor="ctr"/>
+          <a:lstStyle/>
+          <a:p>
+            <a:pPr algn="ctr"/>
+            <a:r>
+              <a:rPr lang="de-CH" sz="1200" dirty="0" err="1" smtClean="0"/>
+              <a:t>Xebra</a:t>
+            </a:r>
+            <a:r>
+              <a:rPr lang="de-CH" sz="1200" dirty="0" smtClean="0"/>
+              <a:t> Web </a:t>
+            </a:r>
+            <a:r>
+              <a:rPr lang="de-CH" sz="1200" dirty="0" err="1" smtClean="0"/>
+              <a:t>Application</a:t>
+            </a:r>
+            <a:r>
+              <a:rPr lang="de-CH" sz="1200" dirty="0" smtClean="0"/>
+              <a:t> 2</a:t>
+            </a:r>
+            <a:endParaRPr lang="de-CH" sz="1200" dirty="0" smtClean="0"/>
+          </a:p>
+        </p:txBody>
+      </p:sp>
+      <p:cxnSp>
+        <p:nvCxnSpPr>
+          <p:cNvPr id="32" name="Gewinkelte Verbindung 31"/>
+          <p:cNvCxnSpPr>
+            <a:stCxn id="8" idx="3"/>
+            <a:endCxn id="33" idx="1"/>
+          </p:cNvCxnSpPr>
+          <p:nvPr/>
+        </p:nvCxnSpPr>
+        <p:spPr>
+          <a:xfrm>
+            <a:off x="3571836" y="1142960"/>
+            <a:ext cx="1214446" cy="785842"/>
+          </a:xfrm>
+          <a:prstGeom prst="bentConnector3">
+            <a:avLst>
+              <a:gd name="adj1" fmla="val 60136"/>
+            </a:avLst>
+          </a:prstGeom>
+          <a:ln>
+            <a:headEnd type="arrow"/>
+            <a:tailEnd type="arrow"/>
+          </a:ln>
+        </p:spPr>
+        <p:style>
+          <a:lnRef idx="1">
+            <a:schemeClr val="accent1"/>
+          </a:lnRef>
+          <a:fillRef idx="0">
+            <a:schemeClr val="accent1"/>
+          </a:fillRef>
+          <a:effectRef idx="0">
+            <a:schemeClr val="accent1"/>
+          </a:effectRef>
+          <a:fontRef idx="minor">
+            <a:schemeClr val="tx1"/>
+          </a:fontRef>
+        </p:style>
+      </p:cxnSp>
+      <p:sp>
+        <p:nvSpPr>
+          <p:cNvPr id="33" name="Abgerundetes Rechteck 32"/>
+          <p:cNvSpPr/>
+          <p:nvPr/>
+        </p:nvSpPr>
+        <p:spPr>
+          <a:xfrm>
+            <a:off x="4786282" y="1643050"/>
+            <a:ext cx="1428760" cy="571504"/>
+          </a:xfrm>
+          <a:prstGeom prst="roundRect">
+            <a:avLst/>
+          </a:prstGeom>
+        </p:spPr>
+        <p:style>
+          <a:lnRef idx="2">
+            <a:schemeClr val="accent6">
+              <a:shade val="50000"/>
+            </a:schemeClr>
+          </a:lnRef>
+          <a:fillRef idx="1">
+            <a:schemeClr val="accent6"/>
+          </a:fillRef>
+          <a:effectRef idx="0">
+            <a:schemeClr val="accent6"/>
+          </a:effectRef>
+          <a:fontRef idx="minor">
+            <a:schemeClr val="lt1"/>
+          </a:fontRef>
+        </p:style>
+        <p:txBody>
+          <a:bodyPr rtlCol="0" anchor="ctr"/>
+          <a:lstStyle/>
+          <a:p>
+            <a:pPr algn="ctr"/>
+            <a:r>
+              <a:rPr lang="de-CH" sz="1200" dirty="0" err="1" smtClean="0"/>
+              <a:t>Xebra</a:t>
+            </a:r>
+            <a:r>
+              <a:rPr lang="de-CH" sz="1200" dirty="0" smtClean="0"/>
+              <a:t> Web </a:t>
+            </a:r>
+            <a:r>
+              <a:rPr lang="de-CH" sz="1200" dirty="0" err="1" smtClean="0"/>
+              <a:t>Application</a:t>
+            </a:r>
+            <a:r>
+              <a:rPr lang="de-CH" sz="1200" dirty="0" smtClean="0"/>
+              <a:t> 3</a:t>
+            </a:r>
+            <a:endParaRPr lang="de-CH" sz="1200" dirty="0" smtClean="0"/>
+          </a:p>
+        </p:txBody>
+      </p:sp>
+      <p:sp>
+        <p:nvSpPr>
+          <p:cNvPr id="14" name="Abgerundetes Rechteck 13"/>
+          <p:cNvSpPr/>
+          <p:nvPr/>
+        </p:nvSpPr>
+        <p:spPr>
+          <a:xfrm>
+            <a:off x="142844" y="142852"/>
             <a:ext cx="1142976" cy="642942"/>
           </a:xfrm>
           <a:prstGeom prst="roundRect">
@@ -3098,20 +3434,21 @@
             <a:pPr algn="ctr"/>
             <a:r>
               <a:rPr lang="de-CH" sz="1200" dirty="0" smtClean="0"/>
-              <a:t>HTTP Server</a:t>
-            </a:r>
-          </a:p>
-        </p:txBody>
-      </p:sp>
-      <p:sp>
-        <p:nvSpPr>
-          <p:cNvPr id="6" name="Abgerundetes Rechteck 5"/>
+              <a:t>Apache</a:t>
+            </a:r>
+            <a:endParaRPr lang="de-CH" sz="1200" dirty="0" smtClean="0"/>
+          </a:p>
+        </p:txBody>
+      </p:sp>
+      <p:sp>
+        <p:nvSpPr>
+          <p:cNvPr id="15" name="Abgerundetes Rechteck 14"/>
           <p:cNvSpPr/>
           <p:nvPr/>
         </p:nvSpPr>
         <p:spPr>
           <a:xfrm>
-            <a:off x="428564" y="1000108"/>
+            <a:off x="500002" y="642918"/>
             <a:ext cx="1000132" cy="285752"/>
           </a:xfrm>
           <a:prstGeom prst="roundRect">
@@ -3141,15 +3478,7 @@
             <a:pPr algn="ctr"/>
             <a:r>
               <a:rPr lang="de-CH" sz="1200" dirty="0" err="1" smtClean="0"/>
-              <a:t>XEbra</a:t>
-            </a:r>
-            <a:r>
-              <a:rPr lang="de-CH" sz="1200" dirty="0" smtClean="0"/>
-              <a:t> </a:t>
-            </a:r>
-            <a:r>
-              <a:rPr lang="de-CH" sz="1200" dirty="0" err="1" smtClean="0"/>
-              <a:t>Plugin</a:t>
+              <a:t>Mod_Xebra</a:t>
             </a:r>
             <a:endParaRPr lang="de-CH" sz="1200" dirty="0" smtClean="0"/>
           </a:p>
@@ -3157,14 +3486,58 @@
       </p:sp>
       <p:sp>
         <p:nvSpPr>
-          <p:cNvPr id="8" name="Abgerundetes Rechteck 7"/>
+          <p:cNvPr id="16" name="Abgerundetes Rechteck 15"/>
           <p:cNvSpPr/>
           <p:nvPr/>
         </p:nvSpPr>
         <p:spPr>
           <a:xfrm>
-            <a:off x="2143076" y="857208"/>
-            <a:ext cx="1428760" cy="571504"/>
+            <a:off x="142844" y="1357274"/>
+            <a:ext cx="1142976" cy="642942"/>
+          </a:xfrm>
+          <a:prstGeom prst="roundRect">
+            <a:avLst/>
+          </a:prstGeom>
+        </p:spPr>
+        <p:style>
+          <a:lnRef idx="2">
+            <a:schemeClr val="accent3">
+              <a:shade val="50000"/>
+            </a:schemeClr>
+          </a:lnRef>
+          <a:fillRef idx="1">
+            <a:schemeClr val="accent3"/>
+          </a:fillRef>
+          <a:effectRef idx="0">
+            <a:schemeClr val="accent3"/>
+          </a:effectRef>
+          <a:fontRef idx="minor">
+            <a:schemeClr val="lt1"/>
+          </a:fontRef>
+        </p:style>
+        <p:txBody>
+          <a:bodyPr rtlCol="0" anchor="ctr"/>
+          <a:lstStyle/>
+          <a:p>
+            <a:pPr algn="ctr"/>
+            <a:r>
+              <a:rPr lang="de-CH" sz="1200" dirty="0" smtClean="0"/>
+              <a:t>IIS7</a:t>
+            </a:r>
+            <a:endParaRPr lang="de-CH" sz="1200" dirty="0" smtClean="0"/>
+          </a:p>
+        </p:txBody>
+      </p:sp>
+      <p:sp>
+        <p:nvSpPr>
+          <p:cNvPr id="17" name="Abgerundetes Rechteck 16"/>
+          <p:cNvSpPr/>
+          <p:nvPr/>
+        </p:nvSpPr>
+        <p:spPr>
+          <a:xfrm>
+            <a:off x="500002" y="1857340"/>
+            <a:ext cx="1143008" cy="285752"/>
           </a:xfrm>
           <a:prstGeom prst="roundRect">
             <a:avLst/>
@@ -3193,32 +3566,32 @@
             <a:pPr algn="ctr"/>
             <a:r>
               <a:rPr lang="de-CH" sz="1200" dirty="0" err="1" smtClean="0"/>
-              <a:t>XEbra</a:t>
-            </a:r>
-            <a:r>
-              <a:rPr lang="de-CH" sz="1200" dirty="0" smtClean="0"/>
-              <a:t> Server</a:t>
-            </a:r>
+              <a:t>Xebra</a:t>
+            </a:r>
+            <a:r>
+              <a:rPr lang="de-CH" sz="1200" dirty="0" err="1" smtClean="0"/>
+              <a:t>_Handler</a:t>
+            </a:r>
+            <a:endParaRPr lang="de-CH" sz="1200" dirty="0" smtClean="0"/>
           </a:p>
         </p:txBody>
       </p:sp>
       <p:cxnSp>
         <p:nvCxnSpPr>
-          <p:cNvPr id="18" name="Gewinkelte Verbindung 17"/>
+          <p:cNvPr id="19" name="Gewinkelte Verbindung 18"/>
           <p:cNvCxnSpPr>
-            <a:stCxn id="6" idx="3"/>
             <a:endCxn id="8" idx="1"/>
           </p:cNvCxnSpPr>
           <p:nvPr/>
         </p:nvCxnSpPr>
         <p:spPr>
-          <a:xfrm flipV="1">
-            <a:off x="1428696" y="1142960"/>
-            <a:ext cx="714380" cy="24"/>
+          <a:xfrm>
+            <a:off x="1500166" y="785794"/>
+            <a:ext cx="642910" cy="357166"/>
           </a:xfrm>
           <a:prstGeom prst="bentConnector3">
             <a:avLst>
-              <a:gd name="adj1" fmla="val 50000"/>
+              <a:gd name="adj1" fmla="val 59697"/>
             </a:avLst>
           </a:prstGeom>
           <a:ln>
@@ -3243,21 +3616,21 @@
       </p:cxnSp>
       <p:cxnSp>
         <p:nvCxnSpPr>
-          <p:cNvPr id="48" name="Gewinkelte Verbindung 47"/>
+          <p:cNvPr id="20" name="Gewinkelte Verbindung 19"/>
           <p:cNvCxnSpPr>
-            <a:stCxn id="8" idx="3"/>
-            <a:endCxn id="28" idx="1"/>
+            <a:stCxn id="17" idx="3"/>
+            <a:endCxn id="8" idx="1"/>
           </p:cNvCxnSpPr>
           <p:nvPr/>
         </p:nvCxnSpPr>
         <p:spPr>
           <a:xfrm flipV="1">
-            <a:off x="3571836" y="357166"/>
-            <a:ext cx="1214446" cy="785794"/>
+            <a:off x="1643010" y="1142960"/>
+            <a:ext cx="500066" cy="857256"/>
           </a:xfrm>
           <a:prstGeom prst="bentConnector3">
             <a:avLst>
-              <a:gd name="adj1" fmla="val 60618"/>
+              <a:gd name="adj1" fmla="val 48140"/>
             </a:avLst>
           </a:prstGeom>
           <a:ln>
@@ -3280,300 +3653,6 @@
           </a:fontRef>
         </p:style>
       </p:cxnSp>
-      <p:sp>
-        <p:nvSpPr>
-          <p:cNvPr id="28" name="Abgerundetes Rechteck 27"/>
-          <p:cNvSpPr/>
-          <p:nvPr/>
-        </p:nvSpPr>
-        <p:spPr>
-          <a:xfrm>
-            <a:off x="4786282" y="71414"/>
-            <a:ext cx="1428760" cy="571504"/>
-          </a:xfrm>
-          <a:prstGeom prst="roundRect">
-            <a:avLst/>
-          </a:prstGeom>
-        </p:spPr>
-        <p:style>
-          <a:lnRef idx="2">
-            <a:schemeClr val="accent6">
-              <a:shade val="50000"/>
-            </a:schemeClr>
-          </a:lnRef>
-          <a:fillRef idx="1">
-            <a:schemeClr val="accent6"/>
-          </a:fillRef>
-          <a:effectRef idx="0">
-            <a:schemeClr val="accent6"/>
-          </a:effectRef>
-          <a:fontRef idx="minor">
-            <a:schemeClr val="lt1"/>
-          </a:fontRef>
-        </p:style>
-        <p:txBody>
-          <a:bodyPr rtlCol="0" anchor="ctr"/>
-          <a:lstStyle/>
-          <a:p>
-            <a:pPr algn="ctr"/>
-            <a:r>
-              <a:rPr lang="de-CH" sz="1200" dirty="0" err="1" smtClean="0"/>
-              <a:t>XEbra</a:t>
-            </a:r>
-            <a:r>
-              <a:rPr lang="de-CH" sz="1200" dirty="0" smtClean="0"/>
-              <a:t> </a:t>
-            </a:r>
-            <a:r>
-              <a:rPr lang="de-CH" sz="1200" dirty="0" err="1" smtClean="0"/>
-              <a:t>Application</a:t>
-            </a:r>
-            <a:endParaRPr lang="de-CH" sz="1200" dirty="0" smtClean="0"/>
-          </a:p>
-        </p:txBody>
-      </p:sp>
-      <p:cxnSp>
-        <p:nvCxnSpPr>
-          <p:cNvPr id="30" name="Gewinkelte Verbindung 29"/>
-          <p:cNvCxnSpPr>
-            <a:stCxn id="8" idx="3"/>
-            <a:endCxn id="31" idx="1"/>
-          </p:cNvCxnSpPr>
-          <p:nvPr/>
-        </p:nvCxnSpPr>
-        <p:spPr>
-          <a:xfrm>
-            <a:off x="3571836" y="1142960"/>
-            <a:ext cx="1214446" cy="24"/>
-          </a:xfrm>
-          <a:prstGeom prst="bentConnector3">
-            <a:avLst>
-              <a:gd name="adj1" fmla="val 50000"/>
-            </a:avLst>
-          </a:prstGeom>
-          <a:ln>
-            <a:headEnd type="arrow"/>
-            <a:tailEnd type="arrow"/>
-          </a:ln>
-        </p:spPr>
-        <p:style>
-          <a:lnRef idx="1">
-            <a:schemeClr val="accent1"/>
-          </a:lnRef>
-          <a:fillRef idx="0">
-            <a:schemeClr val="accent1"/>
-          </a:fillRef>
-          <a:effectRef idx="0">
-            <a:schemeClr val="accent1"/>
-          </a:effectRef>
-          <a:fontRef idx="minor">
-            <a:schemeClr val="tx1"/>
-          </a:fontRef>
-        </p:style>
-      </p:cxnSp>
-      <p:sp>
-        <p:nvSpPr>
-          <p:cNvPr id="31" name="Abgerundetes Rechteck 30"/>
-          <p:cNvSpPr/>
-          <p:nvPr/>
-        </p:nvSpPr>
-        <p:spPr>
-          <a:xfrm>
-            <a:off x="4786282" y="857232"/>
-            <a:ext cx="1428760" cy="571504"/>
-          </a:xfrm>
-          <a:prstGeom prst="roundRect">
-            <a:avLst/>
-          </a:prstGeom>
-        </p:spPr>
-        <p:style>
-          <a:lnRef idx="2">
-            <a:schemeClr val="accent6">
-              <a:shade val="50000"/>
-            </a:schemeClr>
-          </a:lnRef>
-          <a:fillRef idx="1">
-            <a:schemeClr val="accent6"/>
-          </a:fillRef>
-          <a:effectRef idx="0">
-            <a:schemeClr val="accent6"/>
-          </a:effectRef>
-          <a:fontRef idx="minor">
-            <a:schemeClr val="lt1"/>
-          </a:fontRef>
-        </p:style>
-        <p:txBody>
-          <a:bodyPr rtlCol="0" anchor="ctr"/>
-          <a:lstStyle/>
-          <a:p>
-            <a:pPr algn="ctr"/>
-            <a:r>
-              <a:rPr lang="de-CH" sz="1200" dirty="0" err="1" smtClean="0"/>
-              <a:t>XEbra</a:t>
-            </a:r>
-            <a:r>
-              <a:rPr lang="de-CH" sz="1200" dirty="0" smtClean="0"/>
-              <a:t> </a:t>
-            </a:r>
-            <a:r>
-              <a:rPr lang="de-CH" sz="1200" dirty="0" err="1" smtClean="0"/>
-              <a:t>Application</a:t>
-            </a:r>
-            <a:endParaRPr lang="de-CH" sz="1200" dirty="0" smtClean="0"/>
-          </a:p>
-        </p:txBody>
-      </p:sp>
-      <p:cxnSp>
-        <p:nvCxnSpPr>
-          <p:cNvPr id="32" name="Gewinkelte Verbindung 31"/>
-          <p:cNvCxnSpPr>
-            <a:stCxn id="8" idx="3"/>
-            <a:endCxn id="33" idx="1"/>
-          </p:cNvCxnSpPr>
-          <p:nvPr/>
-        </p:nvCxnSpPr>
-        <p:spPr>
-          <a:xfrm>
-            <a:off x="3571836" y="1142960"/>
-            <a:ext cx="1214446" cy="785842"/>
-          </a:xfrm>
-          <a:prstGeom prst="bentConnector3">
-            <a:avLst>
-              <a:gd name="adj1" fmla="val 60136"/>
-            </a:avLst>
-          </a:prstGeom>
-          <a:ln>
-            <a:headEnd type="arrow"/>
-            <a:tailEnd type="arrow"/>
-          </a:ln>
-        </p:spPr>
-        <p:style>
-          <a:lnRef idx="1">
-            <a:schemeClr val="accent1"/>
-          </a:lnRef>
-          <a:fillRef idx="0">
-            <a:schemeClr val="accent1"/>
-          </a:fillRef>
-          <a:effectRef idx="0">
-            <a:schemeClr val="accent1"/>
-          </a:effectRef>
-          <a:fontRef idx="minor">
-            <a:schemeClr val="tx1"/>
-          </a:fontRef>
-        </p:style>
-      </p:cxnSp>
-      <p:sp>
-        <p:nvSpPr>
-          <p:cNvPr id="33" name="Abgerundetes Rechteck 32"/>
-          <p:cNvSpPr/>
-          <p:nvPr/>
-        </p:nvSpPr>
-        <p:spPr>
-          <a:xfrm>
-            <a:off x="4786282" y="1643050"/>
-            <a:ext cx="1428760" cy="571504"/>
-          </a:xfrm>
-          <a:prstGeom prst="roundRect">
-            <a:avLst/>
-          </a:prstGeom>
-        </p:spPr>
-        <p:style>
-          <a:lnRef idx="2">
-            <a:schemeClr val="accent6">
-              <a:shade val="50000"/>
-            </a:schemeClr>
-          </a:lnRef>
-          <a:fillRef idx="1">
-            <a:schemeClr val="accent6"/>
-          </a:fillRef>
-          <a:effectRef idx="0">
-            <a:schemeClr val="accent6"/>
-          </a:effectRef>
-          <a:fontRef idx="minor">
-            <a:schemeClr val="lt1"/>
-          </a:fontRef>
-        </p:style>
-        <p:txBody>
-          <a:bodyPr rtlCol="0" anchor="ctr"/>
-          <a:lstStyle/>
-          <a:p>
-            <a:pPr algn="ctr"/>
-            <a:r>
-              <a:rPr lang="de-CH" sz="1200" dirty="0" err="1" smtClean="0"/>
-              <a:t>XEbra</a:t>
-            </a:r>
-            <a:r>
-              <a:rPr lang="de-CH" sz="1200" dirty="0" smtClean="0"/>
-              <a:t> </a:t>
-            </a:r>
-            <a:r>
-              <a:rPr lang="de-CH" sz="1200" dirty="0" err="1" smtClean="0"/>
-              <a:t>Application</a:t>
-            </a:r>
-            <a:endParaRPr lang="de-CH" sz="1200" dirty="0" smtClean="0"/>
-          </a:p>
-        </p:txBody>
-      </p:sp>
-      <p:sp>
-        <p:nvSpPr>
-          <p:cNvPr id="46" name="Textfeld 45"/>
-          <p:cNvSpPr txBox="1"/>
-          <p:nvPr/>
-        </p:nvSpPr>
-        <p:spPr>
-          <a:xfrm>
-            <a:off x="1571572" y="928670"/>
-            <a:ext cx="357190" cy="276999"/>
-          </a:xfrm>
-          <a:prstGeom prst="rect">
-            <a:avLst/>
-          </a:prstGeom>
-          <a:noFill/>
-        </p:spPr>
-        <p:txBody>
-          <a:bodyPr wrap="square" rtlCol="0">
-            <a:spAutoFit/>
-          </a:bodyPr>
-          <a:lstStyle/>
-          <a:p>
-            <a:r>
-              <a:rPr lang="de-CH" sz="1200" dirty="0" smtClean="0"/>
-              <a:t>1)</a:t>
-            </a:r>
-            <a:endParaRPr lang="en-US" dirty="0"/>
-          </a:p>
-        </p:txBody>
-      </p:sp>
-      <p:sp>
-        <p:nvSpPr>
-          <p:cNvPr id="47" name="Textfeld 46"/>
-          <p:cNvSpPr txBox="1"/>
-          <p:nvPr/>
-        </p:nvSpPr>
-        <p:spPr>
-          <a:xfrm>
-            <a:off x="3929026" y="928670"/>
-            <a:ext cx="357190" cy="276999"/>
-          </a:xfrm>
-          <a:prstGeom prst="rect">
-            <a:avLst/>
-          </a:prstGeom>
-          <a:noFill/>
-        </p:spPr>
-        <p:txBody>
-          <a:bodyPr wrap="square" rtlCol="0">
-            <a:spAutoFit/>
-          </a:bodyPr>
-          <a:lstStyle/>
-          <a:p>
-            <a:r>
-              <a:rPr lang="de-CH" sz="1200" dirty="0" smtClean="0"/>
-              <a:t>2)</a:t>
-            </a:r>
-            <a:endParaRPr lang="en-US" dirty="0"/>
-          </a:p>
-        </p:txBody>
-      </p:sp>
     </p:spTree>
   </p:cSld>
   <p:clrMapOvr>
@@ -4325,11 +4404,7 @@
           <a:p>
             <a:r>
               <a:rPr lang="de-CH" sz="1200" dirty="0" smtClean="0"/>
-              <a:t>2</a:t>
-            </a:r>
-            <a:r>
-              <a:rPr lang="de-CH" sz="1200" dirty="0" smtClean="0"/>
-              <a:t>)</a:t>
+              <a:t>2)</a:t>
             </a:r>
             <a:endParaRPr lang="en-US" dirty="0"/>
           </a:p>
@@ -4359,11 +4434,7 @@
           <a:p>
             <a:r>
               <a:rPr lang="de-CH" sz="1200" dirty="0" smtClean="0"/>
-              <a:t>3</a:t>
-            </a:r>
-            <a:r>
-              <a:rPr lang="de-CH" sz="1200" dirty="0" smtClean="0"/>
-              <a:t>)</a:t>
+              <a:t>3)</a:t>
             </a:r>
             <a:endParaRPr lang="en-US" dirty="0"/>
           </a:p>
